--- a/paper/vcf_schematic2.pptx
+++ b/paper/vcf_schematic2.pptx
@@ -104,6 +104,11 @@
       </a:defRPr>
     </a:lvl9pPr>
   </p:defaultTextStyle>
+  <p:extLst>
+    <p:ext uri="{EFAFB233-063F-42B5-8137-9DF3F51BA10A}">
+      <p15:sldGuideLst xmlns:p15="http://schemas.microsoft.com/office/powerpoint/2012/main"/>
+    </p:ext>
+  </p:extLst>
 </p:presentation>
 </file>
 
@@ -256,7 +261,7 @@
           <a:p>
             <a:fld id="{4BD21950-E179-B541-8B3A-F9117765DF5B}" type="datetimeFigureOut">
               <a:rPr lang="en-US" smtClean="0"/>
-              <a:t>3/4/20</a:t>
+              <a:t>3/5/20</a:t>
             </a:fld>
             <a:endParaRPr lang="en-US"/>
           </a:p>
@@ -456,7 +461,7 @@
           <a:p>
             <a:fld id="{4BD21950-E179-B541-8B3A-F9117765DF5B}" type="datetimeFigureOut">
               <a:rPr lang="en-US" smtClean="0"/>
-              <a:t>3/4/20</a:t>
+              <a:t>3/5/20</a:t>
             </a:fld>
             <a:endParaRPr lang="en-US"/>
           </a:p>
@@ -666,7 +671,7 @@
           <a:p>
             <a:fld id="{4BD21950-E179-B541-8B3A-F9117765DF5B}" type="datetimeFigureOut">
               <a:rPr lang="en-US" smtClean="0"/>
-              <a:t>3/4/20</a:t>
+              <a:t>3/5/20</a:t>
             </a:fld>
             <a:endParaRPr lang="en-US"/>
           </a:p>
@@ -866,7 +871,7 @@
           <a:p>
             <a:fld id="{4BD21950-E179-B541-8B3A-F9117765DF5B}" type="datetimeFigureOut">
               <a:rPr lang="en-US" smtClean="0"/>
-              <a:t>3/4/20</a:t>
+              <a:t>3/5/20</a:t>
             </a:fld>
             <a:endParaRPr lang="en-US"/>
           </a:p>
@@ -1142,7 +1147,7 @@
           <a:p>
             <a:fld id="{4BD21950-E179-B541-8B3A-F9117765DF5B}" type="datetimeFigureOut">
               <a:rPr lang="en-US" smtClean="0"/>
-              <a:t>3/4/20</a:t>
+              <a:t>3/5/20</a:t>
             </a:fld>
             <a:endParaRPr lang="en-US"/>
           </a:p>
@@ -1410,7 +1415,7 @@
           <a:p>
             <a:fld id="{4BD21950-E179-B541-8B3A-F9117765DF5B}" type="datetimeFigureOut">
               <a:rPr lang="en-US" smtClean="0"/>
-              <a:t>3/4/20</a:t>
+              <a:t>3/5/20</a:t>
             </a:fld>
             <a:endParaRPr lang="en-US"/>
           </a:p>
@@ -1825,7 +1830,7 @@
           <a:p>
             <a:fld id="{4BD21950-E179-B541-8B3A-F9117765DF5B}" type="datetimeFigureOut">
               <a:rPr lang="en-US" smtClean="0"/>
-              <a:t>3/4/20</a:t>
+              <a:t>3/5/20</a:t>
             </a:fld>
             <a:endParaRPr lang="en-US"/>
           </a:p>
@@ -1967,7 +1972,7 @@
           <a:p>
             <a:fld id="{4BD21950-E179-B541-8B3A-F9117765DF5B}" type="datetimeFigureOut">
               <a:rPr lang="en-US" smtClean="0"/>
-              <a:t>3/4/20</a:t>
+              <a:t>3/5/20</a:t>
             </a:fld>
             <a:endParaRPr lang="en-US"/>
           </a:p>
@@ -2080,7 +2085,7 @@
           <a:p>
             <a:fld id="{4BD21950-E179-B541-8B3A-F9117765DF5B}" type="datetimeFigureOut">
               <a:rPr lang="en-US" smtClean="0"/>
-              <a:t>3/4/20</a:t>
+              <a:t>3/5/20</a:t>
             </a:fld>
             <a:endParaRPr lang="en-US"/>
           </a:p>
@@ -2393,7 +2398,7 @@
           <a:p>
             <a:fld id="{4BD21950-E179-B541-8B3A-F9117765DF5B}" type="datetimeFigureOut">
               <a:rPr lang="en-US" smtClean="0"/>
-              <a:t>3/4/20</a:t>
+              <a:t>3/5/20</a:t>
             </a:fld>
             <a:endParaRPr lang="en-US"/>
           </a:p>
@@ -2682,7 +2687,7 @@
           <a:p>
             <a:fld id="{4BD21950-E179-B541-8B3A-F9117765DF5B}" type="datetimeFigureOut">
               <a:rPr lang="en-US" smtClean="0"/>
-              <a:t>3/4/20</a:t>
+              <a:t>3/5/20</a:t>
             </a:fld>
             <a:endParaRPr lang="en-US"/>
           </a:p>
@@ -2925,7 +2930,7 @@
           <a:p>
             <a:fld id="{4BD21950-E179-B541-8B3A-F9117765DF5B}" type="datetimeFigureOut">
               <a:rPr lang="en-US" smtClean="0"/>
-              <a:t>3/4/20</a:t>
+              <a:t>3/5/20</a:t>
             </a:fld>
             <a:endParaRPr lang="en-US"/>
           </a:p>
@@ -3352,10 +3357,10 @@
       </p:grpSpPr>
       <p:grpSp>
         <p:nvGrpSpPr>
-          <p:cNvPr id="8" name="Group 7">
-            <a:extLst>
-              <a:ext uri="{FF2B5EF4-FFF2-40B4-BE49-F238E27FC236}">
-                <a16:creationId xmlns:a16="http://schemas.microsoft.com/office/drawing/2014/main" id="{0B5D084D-09D2-4949-8C4B-B538D3002B15}"/>
+          <p:cNvPr id="2" name="Group 1">
+            <a:extLst>
+              <a:ext uri="{FF2B5EF4-FFF2-40B4-BE49-F238E27FC236}">
+                <a16:creationId xmlns:a16="http://schemas.microsoft.com/office/drawing/2014/main" id="{78008F80-5299-B144-A3D9-08AC3BADD81F}"/>
               </a:ext>
             </a:extLst>
           </p:cNvPr>
@@ -3364,10 +3369,10 @@
         </p:nvGrpSpPr>
         <p:grpSpPr>
           <a:xfrm>
-            <a:off x="1008266" y="119922"/>
-            <a:ext cx="10175467" cy="6475751"/>
-            <a:chOff x="1008266" y="119922"/>
-            <a:chExt cx="10175467" cy="6475751"/>
+            <a:off x="509133" y="134911"/>
+            <a:ext cx="11331668" cy="6490741"/>
+            <a:chOff x="509133" y="134911"/>
+            <a:chExt cx="11331668" cy="6490741"/>
           </a:xfrm>
         </p:grpSpPr>
         <p:pic>
@@ -3392,7 +3397,7 @@
           </p:blipFill>
           <p:spPr>
             <a:xfrm>
-              <a:off x="1008267" y="119922"/>
+              <a:off x="1665335" y="134911"/>
               <a:ext cx="10175466" cy="5571067"/>
             </a:xfrm>
             <a:prstGeom prst="rect">
@@ -3414,8 +3419,8 @@
           </p:nvSpPr>
           <p:spPr>
             <a:xfrm>
-              <a:off x="9878519" y="336865"/>
-              <a:ext cx="1304144" cy="3807501"/>
+              <a:off x="509665" y="134911"/>
+              <a:ext cx="1155669" cy="4586991"/>
             </a:xfrm>
             <a:prstGeom prst="rect">
               <a:avLst/>
@@ -3461,7 +3466,7 @@
           </p:nvSpPr>
           <p:spPr>
             <a:xfrm>
-              <a:off x="1008266" y="5675999"/>
+              <a:off x="1665335" y="5705978"/>
               <a:ext cx="4268271" cy="919674"/>
             </a:xfrm>
             <a:prstGeom prst="rect">
@@ -3489,7 +3494,7 @@
               <a:pPr algn="ctr"/>
               <a:r>
                 <a:rPr lang="en-US" dirty="0"/>
-                <a:t>Variant information</a:t>
+                <a:t>Loci</a:t>
               </a:r>
             </a:p>
           </p:txBody>
@@ -3508,7 +3513,7 @@
           </p:nvSpPr>
           <p:spPr>
             <a:xfrm>
-              <a:off x="5276537" y="5675999"/>
+              <a:off x="5934675" y="5705978"/>
               <a:ext cx="2953063" cy="919674"/>
             </a:xfrm>
             <a:prstGeom prst="rect">
@@ -3536,7 +3541,7 @@
               <a:pPr algn="ctr"/>
               <a:r>
                 <a:rPr lang="en-US" dirty="0"/>
-                <a:t>Trait one</a:t>
+                <a:t>Trait one association metrics</a:t>
               </a:r>
             </a:p>
           </p:txBody>
@@ -3555,7 +3560,7 @@
           </p:nvSpPr>
           <p:spPr>
             <a:xfrm>
-              <a:off x="8229600" y="5675999"/>
+              <a:off x="8887738" y="5705978"/>
               <a:ext cx="2953063" cy="919674"/>
             </a:xfrm>
             <a:prstGeom prst="rect">
@@ -3583,7 +3588,54 @@
               <a:pPr algn="ctr"/>
               <a:r>
                 <a:rPr lang="en-US" dirty="0"/>
-                <a:t>Trait two</a:t>
+                <a:t>Trait two association metrics</a:t>
+              </a:r>
+            </a:p>
+          </p:txBody>
+        </p:sp>
+        <p:sp>
+          <p:nvSpPr>
+            <p:cNvPr id="9" name="Rectangle 8">
+              <a:extLst>
+                <a:ext uri="{FF2B5EF4-FFF2-40B4-BE49-F238E27FC236}">
+                  <a16:creationId xmlns:a16="http://schemas.microsoft.com/office/drawing/2014/main" id="{4F791192-2A39-0346-9904-9C780F9A9669}"/>
+                </a:ext>
+              </a:extLst>
+            </p:cNvPr>
+            <p:cNvSpPr/>
+            <p:nvPr/>
+          </p:nvSpPr>
+          <p:spPr>
+            <a:xfrm rot="5400000">
+              <a:off x="135092" y="5095943"/>
+              <a:ext cx="1903750" cy="1155668"/>
+            </a:xfrm>
+            <a:prstGeom prst="rect">
+              <a:avLst/>
+            </a:prstGeom>
+          </p:spPr>
+          <p:style>
+            <a:lnRef idx="1">
+              <a:schemeClr val="accent2"/>
+            </a:lnRef>
+            <a:fillRef idx="2">
+              <a:schemeClr val="accent2"/>
+            </a:fillRef>
+            <a:effectRef idx="1">
+              <a:schemeClr val="accent2"/>
+            </a:effectRef>
+            <a:fontRef idx="minor">
+              <a:schemeClr val="dk1"/>
+            </a:fontRef>
+          </p:style>
+          <p:txBody>
+            <a:bodyPr vert="vert270" rtlCol="0" anchor="ctr"/>
+            <a:lstStyle/>
+            <a:p>
+              <a:pPr algn="ctr"/>
+              <a:r>
+                <a:rPr lang="en-US" dirty="0"/>
+                <a:t>Variants</a:t>
               </a:r>
             </a:p>
           </p:txBody>
